--- a/2022/slides.pptx
+++ b/2022/slides.pptx
@@ -2135,6 +2135,100 @@
               <a:t>Open-source version control system for machine learning projects</a:t>
             </a:r>
           </a:p>
+          <a:p>
+            <a:pPr lvl="1"/>
+            <a:r>
+              <a:rPr lang="en-US" dirty="0"/>
+              <a:t>Basically - Git for data and models</a:t>
+            </a:r>
+          </a:p>
+          <a:p>
+            <a:r>
+              <a:rPr lang="en-US" dirty="0"/>
+              <a:t>How has DVC helped us?</a:t>
+            </a:r>
+          </a:p>
+          <a:p>
+            <a:pPr lvl="1"/>
+            <a:r>
+              <a:rPr lang="en-US" dirty="0"/>
+              <a:t>Make models shareable and reproducible</a:t>
+            </a:r>
+          </a:p>
+          <a:p>
+            <a:pPr lvl="1"/>
+            <a:r>
+              <a:rPr lang="en-US" dirty="0"/>
+              <a:t>Use Git branches to try different ideas</a:t>
+            </a:r>
+          </a:p>
+          <a:p>
+            <a:pPr lvl="2"/>
+            <a:r>
+              <a:rPr lang="en-US" dirty="0"/>
+              <a:t>Track model performance metrics automatically</a:t>
+            </a:r>
+          </a:p>
+          <a:p>
+            <a:pPr lvl="1"/>
+            <a:r>
+              <a:rPr lang="en-US" dirty="0"/>
+              <a:t>Deploy models/data to production</a:t>
+            </a:r>
+          </a:p>
+          <a:p>
+            <a:r>
+              <a:rPr lang="en-US" dirty="0"/>
+              <a:t>Other cool features:</a:t>
+            </a:r>
+          </a:p>
+          <a:p>
+            <a:pPr lvl="1"/>
+            <a:r>
+              <a:rPr lang="en-US" dirty="0"/>
+              <a:t>Language/framework agnostic (R, Python, etc.)</a:t>
+            </a:r>
+          </a:p>
+          <a:p>
+            <a:pPr lvl="1"/>
+            <a:r>
+              <a:rPr lang="en-US" dirty="0"/>
+              <a:t>Storage agnostic (Amazon S3, Azure, Google Drive, On Premise, etc.)</a:t>
+            </a:r>
+          </a:p>
+          <a:p>
+            <a:pPr lvl="1"/>
+            <a:r>
+              <a:rPr lang="en-US" dirty="0"/>
+              <a:t>Pipeline caching (skip intermediate steps if code didn’t change)</a:t>
+            </a:r>
+          </a:p>
+          <a:p>
+            <a:pPr lvl="1"/>
+            <a:r>
+              <a:rPr lang="en-US" dirty="0"/>
+              <a:t>Exceptional </a:t>
+            </a:r>
+            <a:r>
+              <a:rPr lang="en-US" dirty="0">
+                <a:hlinkClick r:id="rId2"/>
+              </a:rPr>
+              <a:t>documentation</a:t>
+            </a:r>
+            <a:endParaRPr lang="en-US" dirty="0"/>
+          </a:p>
+          <a:p>
+            <a:pPr lvl="1"/>
+            <a:endParaRPr lang="en-US" dirty="0"/>
+          </a:p>
+          <a:p>
+            <a:pPr lvl="1"/>
+            <a:endParaRPr lang="en-US" dirty="0"/>
+          </a:p>
+          <a:p>
+            <a:pPr lvl="1"/>
+            <a:endParaRPr lang="en-US" dirty="0"/>
+          </a:p>
         </p:txBody>
       </p:sp>
       <p:sp>
@@ -2162,6 +2256,74 @@
           </a:p>
         </p:txBody>
       </p:sp>
+      <p:pic>
+        <p:nvPicPr>
+          <p:cNvPr id="8" name="Picture 6" descr="Data Version Control Logo, HD Png Download - vhv">
+            <a:extLst>
+              <a:ext uri="{FF2B5EF4-FFF2-40B4-BE49-F238E27FC236}">
+                <a16:creationId xmlns:a16="http://schemas.microsoft.com/office/drawing/2014/main" id="{493DCD1A-7A39-4005-B8D6-45190548C4A1}"/>
+              </a:ext>
+            </a:extLst>
+          </p:cNvPr>
+          <p:cNvPicPr>
+            <a:picLocks noChangeAspect="1" noChangeArrowheads="1"/>
+          </p:cNvPicPr>
+          <p:nvPr/>
+        </p:nvPicPr>
+        <p:blipFill>
+          <a:blip r:embed="rId3">
+            <a:extLst>
+              <a:ext uri="{BEBA8EAE-BF5A-486C-A8C5-ECC9F3942E4B}">
+                <a14:imgProps xmlns:a14="http://schemas.microsoft.com/office/drawing/2010/main">
+                  <a14:imgLayer r:embed="rId4">
+                    <a14:imgEffect>
+                      <a14:backgroundRemoval t="8839" b="92721" l="5349" r="96163">
+                        <a14:foregroundMark x1="25814" y1="9532" x2="7907" y2="9705"/>
+                        <a14:foregroundMark x1="7907" y1="9705" x2="5581" y2="19931"/>
+                        <a14:foregroundMark x1="5581" y1="19931" x2="5465" y2="72617"/>
+                        <a14:foregroundMark x1="91977" y1="20104" x2="88605" y2="10745"/>
+                        <a14:foregroundMark x1="88605" y1="10745" x2="77442" y2="8839"/>
+                        <a14:foregroundMark x1="94302" y1="18198" x2="94302" y2="15945"/>
+                        <a14:foregroundMark x1="95233" y1="64298" x2="95233" y2="63085"/>
+                        <a14:foregroundMark x1="95930" y1="16984" x2="95930" y2="16984"/>
+                        <a14:foregroundMark x1="96163" y1="63951" x2="96163" y2="63951"/>
+                        <a14:foregroundMark x1="54767" y1="66724" x2="54767" y2="66724"/>
+                        <a14:foregroundMark x1="49651" y1="92721" x2="49651" y2="92721"/>
+                      </a14:backgroundRemoval>
+                    </a14:imgEffect>
+                  </a14:imgLayer>
+                </a14:imgProps>
+              </a:ext>
+              <a:ext uri="{28A0092B-C50C-407E-A947-70E740481C1C}">
+                <a14:useLocalDpi xmlns:a14="http://schemas.microsoft.com/office/drawing/2010/main" val="0"/>
+              </a:ext>
+            </a:extLst>
+          </a:blip>
+          <a:srcRect/>
+          <a:stretch>
+            <a:fillRect/>
+          </a:stretch>
+        </p:blipFill>
+        <p:spPr bwMode="auto">
+          <a:xfrm>
+            <a:off x="14878508" y="40975"/>
+            <a:ext cx="1341502" cy="900054"/>
+          </a:xfrm>
+          <a:prstGeom prst="rect">
+            <a:avLst/>
+          </a:prstGeom>
+          <a:noFill/>
+          <a:extLst>
+            <a:ext uri="{909E8E84-426E-40DD-AFC4-6F175D3DCCD1}">
+              <a14:hiddenFill xmlns:a14="http://schemas.microsoft.com/office/drawing/2010/main">
+                <a:solidFill>
+                  <a:srgbClr val="FFFFFF"/>
+                </a:solidFill>
+              </a14:hiddenFill>
+            </a:ext>
+          </a:extLst>
+        </p:spPr>
+      </p:pic>
     </p:spTree>
     <p:extLst>
       <p:ext uri="{BB962C8B-B14F-4D97-AF65-F5344CB8AC3E}">
@@ -2172,6 +2334,1378 @@
   <p:clrMapOvr>
     <a:masterClrMapping/>
   </p:clrMapOvr>
+  <p:timing>
+    <p:tnLst>
+      <p:par>
+        <p:cTn id="1" dur="indefinite" restart="never" nodeType="tmRoot">
+          <p:childTnLst>
+            <p:seq concurrent="1" nextAc="seek">
+              <p:cTn id="2" dur="indefinite" nodeType="mainSeq">
+                <p:childTnLst>
+                  <p:par>
+                    <p:cTn id="3" fill="hold">
+                      <p:stCondLst>
+                        <p:cond delay="indefinite"/>
+                      </p:stCondLst>
+                      <p:childTnLst>
+                        <p:par>
+                          <p:cTn id="4" fill="hold">
+                            <p:stCondLst>
+                              <p:cond delay="0"/>
+                            </p:stCondLst>
+                            <p:childTnLst>
+                              <p:par>
+                                <p:cTn id="5" presetID="2" presetClass="entr" presetSubtype="4" fill="hold" grpId="0" nodeType="clickEffect">
+                                  <p:stCondLst>
+                                    <p:cond delay="0"/>
+                                  </p:stCondLst>
+                                  <p:childTnLst>
+                                    <p:set>
+                                      <p:cBhvr>
+                                        <p:cTn id="6" dur="1" fill="hold">
+                                          <p:stCondLst>
+                                            <p:cond delay="0"/>
+                                          </p:stCondLst>
+                                        </p:cTn>
+                                        <p:tgtEl>
+                                          <p:spTgt spid="4">
+                                            <p:txEl>
+                                              <p:pRg st="0" end="0"/>
+                                            </p:txEl>
+                                          </p:spTgt>
+                                        </p:tgtEl>
+                                        <p:attrNameLst>
+                                          <p:attrName>style.visibility</p:attrName>
+                                        </p:attrNameLst>
+                                      </p:cBhvr>
+                                      <p:to>
+                                        <p:strVal val="visible"/>
+                                      </p:to>
+                                    </p:set>
+                                    <p:anim calcmode="lin" valueType="num">
+                                      <p:cBhvr additive="base">
+                                        <p:cTn id="7" dur="500" fill="hold"/>
+                                        <p:tgtEl>
+                                          <p:spTgt spid="4">
+                                            <p:txEl>
+                                              <p:pRg st="0" end="0"/>
+                                            </p:txEl>
+                                          </p:spTgt>
+                                        </p:tgtEl>
+                                        <p:attrNameLst>
+                                          <p:attrName>ppt_x</p:attrName>
+                                        </p:attrNameLst>
+                                      </p:cBhvr>
+                                      <p:tavLst>
+                                        <p:tav tm="0">
+                                          <p:val>
+                                            <p:strVal val="#ppt_x"/>
+                                          </p:val>
+                                        </p:tav>
+                                        <p:tav tm="100000">
+                                          <p:val>
+                                            <p:strVal val="#ppt_x"/>
+                                          </p:val>
+                                        </p:tav>
+                                      </p:tavLst>
+                                    </p:anim>
+                                    <p:anim calcmode="lin" valueType="num">
+                                      <p:cBhvr additive="base">
+                                        <p:cTn id="8" dur="500" fill="hold"/>
+                                        <p:tgtEl>
+                                          <p:spTgt spid="4">
+                                            <p:txEl>
+                                              <p:pRg st="0" end="0"/>
+                                            </p:txEl>
+                                          </p:spTgt>
+                                        </p:tgtEl>
+                                        <p:attrNameLst>
+                                          <p:attrName>ppt_y</p:attrName>
+                                        </p:attrNameLst>
+                                      </p:cBhvr>
+                                      <p:tavLst>
+                                        <p:tav tm="0">
+                                          <p:val>
+                                            <p:strVal val="1+#ppt_h/2"/>
+                                          </p:val>
+                                        </p:tav>
+                                        <p:tav tm="100000">
+                                          <p:val>
+                                            <p:strVal val="#ppt_y"/>
+                                          </p:val>
+                                        </p:tav>
+                                      </p:tavLst>
+                                    </p:anim>
+                                  </p:childTnLst>
+                                </p:cTn>
+                              </p:par>
+                            </p:childTnLst>
+                          </p:cTn>
+                        </p:par>
+                      </p:childTnLst>
+                    </p:cTn>
+                  </p:par>
+                  <p:par>
+                    <p:cTn id="9" fill="hold">
+                      <p:stCondLst>
+                        <p:cond delay="indefinite"/>
+                      </p:stCondLst>
+                      <p:childTnLst>
+                        <p:par>
+                          <p:cTn id="10" fill="hold">
+                            <p:stCondLst>
+                              <p:cond delay="0"/>
+                            </p:stCondLst>
+                            <p:childTnLst>
+                              <p:par>
+                                <p:cTn id="11" presetID="2" presetClass="entr" presetSubtype="4" fill="hold" grpId="0" nodeType="clickEffect">
+                                  <p:stCondLst>
+                                    <p:cond delay="0"/>
+                                  </p:stCondLst>
+                                  <p:childTnLst>
+                                    <p:set>
+                                      <p:cBhvr>
+                                        <p:cTn id="12" dur="1" fill="hold">
+                                          <p:stCondLst>
+                                            <p:cond delay="0"/>
+                                          </p:stCondLst>
+                                        </p:cTn>
+                                        <p:tgtEl>
+                                          <p:spTgt spid="4">
+                                            <p:txEl>
+                                              <p:pRg st="1" end="1"/>
+                                            </p:txEl>
+                                          </p:spTgt>
+                                        </p:tgtEl>
+                                        <p:attrNameLst>
+                                          <p:attrName>style.visibility</p:attrName>
+                                        </p:attrNameLst>
+                                      </p:cBhvr>
+                                      <p:to>
+                                        <p:strVal val="visible"/>
+                                      </p:to>
+                                    </p:set>
+                                    <p:anim calcmode="lin" valueType="num">
+                                      <p:cBhvr additive="base">
+                                        <p:cTn id="13" dur="500" fill="hold"/>
+                                        <p:tgtEl>
+                                          <p:spTgt spid="4">
+                                            <p:txEl>
+                                              <p:pRg st="1" end="1"/>
+                                            </p:txEl>
+                                          </p:spTgt>
+                                        </p:tgtEl>
+                                        <p:attrNameLst>
+                                          <p:attrName>ppt_x</p:attrName>
+                                        </p:attrNameLst>
+                                      </p:cBhvr>
+                                      <p:tavLst>
+                                        <p:tav tm="0">
+                                          <p:val>
+                                            <p:strVal val="#ppt_x"/>
+                                          </p:val>
+                                        </p:tav>
+                                        <p:tav tm="100000">
+                                          <p:val>
+                                            <p:strVal val="#ppt_x"/>
+                                          </p:val>
+                                        </p:tav>
+                                      </p:tavLst>
+                                    </p:anim>
+                                    <p:anim calcmode="lin" valueType="num">
+                                      <p:cBhvr additive="base">
+                                        <p:cTn id="14" dur="500" fill="hold"/>
+                                        <p:tgtEl>
+                                          <p:spTgt spid="4">
+                                            <p:txEl>
+                                              <p:pRg st="1" end="1"/>
+                                            </p:txEl>
+                                          </p:spTgt>
+                                        </p:tgtEl>
+                                        <p:attrNameLst>
+                                          <p:attrName>ppt_y</p:attrName>
+                                        </p:attrNameLst>
+                                      </p:cBhvr>
+                                      <p:tavLst>
+                                        <p:tav tm="0">
+                                          <p:val>
+                                            <p:strVal val="1+#ppt_h/2"/>
+                                          </p:val>
+                                        </p:tav>
+                                        <p:tav tm="100000">
+                                          <p:val>
+                                            <p:strVal val="#ppt_y"/>
+                                          </p:val>
+                                        </p:tav>
+                                      </p:tavLst>
+                                    </p:anim>
+                                  </p:childTnLst>
+                                </p:cTn>
+                              </p:par>
+                            </p:childTnLst>
+                          </p:cTn>
+                        </p:par>
+                      </p:childTnLst>
+                    </p:cTn>
+                  </p:par>
+                  <p:par>
+                    <p:cTn id="15" fill="hold">
+                      <p:stCondLst>
+                        <p:cond delay="indefinite"/>
+                      </p:stCondLst>
+                      <p:childTnLst>
+                        <p:par>
+                          <p:cTn id="16" fill="hold">
+                            <p:stCondLst>
+                              <p:cond delay="0"/>
+                            </p:stCondLst>
+                            <p:childTnLst>
+                              <p:par>
+                                <p:cTn id="17" presetID="2" presetClass="entr" presetSubtype="4" fill="hold" grpId="0" nodeType="clickEffect">
+                                  <p:stCondLst>
+                                    <p:cond delay="0"/>
+                                  </p:stCondLst>
+                                  <p:childTnLst>
+                                    <p:set>
+                                      <p:cBhvr>
+                                        <p:cTn id="18" dur="1" fill="hold">
+                                          <p:stCondLst>
+                                            <p:cond delay="0"/>
+                                          </p:stCondLst>
+                                        </p:cTn>
+                                        <p:tgtEl>
+                                          <p:spTgt spid="4">
+                                            <p:txEl>
+                                              <p:pRg st="2" end="2"/>
+                                            </p:txEl>
+                                          </p:spTgt>
+                                        </p:tgtEl>
+                                        <p:attrNameLst>
+                                          <p:attrName>style.visibility</p:attrName>
+                                        </p:attrNameLst>
+                                      </p:cBhvr>
+                                      <p:to>
+                                        <p:strVal val="visible"/>
+                                      </p:to>
+                                    </p:set>
+                                    <p:anim calcmode="lin" valueType="num">
+                                      <p:cBhvr additive="base">
+                                        <p:cTn id="19" dur="500" fill="hold"/>
+                                        <p:tgtEl>
+                                          <p:spTgt spid="4">
+                                            <p:txEl>
+                                              <p:pRg st="2" end="2"/>
+                                            </p:txEl>
+                                          </p:spTgt>
+                                        </p:tgtEl>
+                                        <p:attrNameLst>
+                                          <p:attrName>ppt_x</p:attrName>
+                                        </p:attrNameLst>
+                                      </p:cBhvr>
+                                      <p:tavLst>
+                                        <p:tav tm="0">
+                                          <p:val>
+                                            <p:strVal val="#ppt_x"/>
+                                          </p:val>
+                                        </p:tav>
+                                        <p:tav tm="100000">
+                                          <p:val>
+                                            <p:strVal val="#ppt_x"/>
+                                          </p:val>
+                                        </p:tav>
+                                      </p:tavLst>
+                                    </p:anim>
+                                    <p:anim calcmode="lin" valueType="num">
+                                      <p:cBhvr additive="base">
+                                        <p:cTn id="20" dur="500" fill="hold"/>
+                                        <p:tgtEl>
+                                          <p:spTgt spid="4">
+                                            <p:txEl>
+                                              <p:pRg st="2" end="2"/>
+                                            </p:txEl>
+                                          </p:spTgt>
+                                        </p:tgtEl>
+                                        <p:attrNameLst>
+                                          <p:attrName>ppt_y</p:attrName>
+                                        </p:attrNameLst>
+                                      </p:cBhvr>
+                                      <p:tavLst>
+                                        <p:tav tm="0">
+                                          <p:val>
+                                            <p:strVal val="1+#ppt_h/2"/>
+                                          </p:val>
+                                        </p:tav>
+                                        <p:tav tm="100000">
+                                          <p:val>
+                                            <p:strVal val="#ppt_y"/>
+                                          </p:val>
+                                        </p:tav>
+                                      </p:tavLst>
+                                    </p:anim>
+                                  </p:childTnLst>
+                                </p:cTn>
+                              </p:par>
+                            </p:childTnLst>
+                          </p:cTn>
+                        </p:par>
+                      </p:childTnLst>
+                    </p:cTn>
+                  </p:par>
+                  <p:par>
+                    <p:cTn id="21" fill="hold">
+                      <p:stCondLst>
+                        <p:cond delay="indefinite"/>
+                      </p:stCondLst>
+                      <p:childTnLst>
+                        <p:par>
+                          <p:cTn id="22" fill="hold">
+                            <p:stCondLst>
+                              <p:cond delay="0"/>
+                            </p:stCondLst>
+                            <p:childTnLst>
+                              <p:par>
+                                <p:cTn id="23" presetID="2" presetClass="entr" presetSubtype="4" fill="hold" grpId="0" nodeType="clickEffect">
+                                  <p:stCondLst>
+                                    <p:cond delay="0"/>
+                                  </p:stCondLst>
+                                  <p:childTnLst>
+                                    <p:set>
+                                      <p:cBhvr>
+                                        <p:cTn id="24" dur="1" fill="hold">
+                                          <p:stCondLst>
+                                            <p:cond delay="0"/>
+                                          </p:stCondLst>
+                                        </p:cTn>
+                                        <p:tgtEl>
+                                          <p:spTgt spid="4">
+                                            <p:txEl>
+                                              <p:pRg st="3" end="3"/>
+                                            </p:txEl>
+                                          </p:spTgt>
+                                        </p:tgtEl>
+                                        <p:attrNameLst>
+                                          <p:attrName>style.visibility</p:attrName>
+                                        </p:attrNameLst>
+                                      </p:cBhvr>
+                                      <p:to>
+                                        <p:strVal val="visible"/>
+                                      </p:to>
+                                    </p:set>
+                                    <p:anim calcmode="lin" valueType="num">
+                                      <p:cBhvr additive="base">
+                                        <p:cTn id="25" dur="500" fill="hold"/>
+                                        <p:tgtEl>
+                                          <p:spTgt spid="4">
+                                            <p:txEl>
+                                              <p:pRg st="3" end="3"/>
+                                            </p:txEl>
+                                          </p:spTgt>
+                                        </p:tgtEl>
+                                        <p:attrNameLst>
+                                          <p:attrName>ppt_x</p:attrName>
+                                        </p:attrNameLst>
+                                      </p:cBhvr>
+                                      <p:tavLst>
+                                        <p:tav tm="0">
+                                          <p:val>
+                                            <p:strVal val="#ppt_x"/>
+                                          </p:val>
+                                        </p:tav>
+                                        <p:tav tm="100000">
+                                          <p:val>
+                                            <p:strVal val="#ppt_x"/>
+                                          </p:val>
+                                        </p:tav>
+                                      </p:tavLst>
+                                    </p:anim>
+                                    <p:anim calcmode="lin" valueType="num">
+                                      <p:cBhvr additive="base">
+                                        <p:cTn id="26" dur="500" fill="hold"/>
+                                        <p:tgtEl>
+                                          <p:spTgt spid="4">
+                                            <p:txEl>
+                                              <p:pRg st="3" end="3"/>
+                                            </p:txEl>
+                                          </p:spTgt>
+                                        </p:tgtEl>
+                                        <p:attrNameLst>
+                                          <p:attrName>ppt_y</p:attrName>
+                                        </p:attrNameLst>
+                                      </p:cBhvr>
+                                      <p:tavLst>
+                                        <p:tav tm="0">
+                                          <p:val>
+                                            <p:strVal val="1+#ppt_h/2"/>
+                                          </p:val>
+                                        </p:tav>
+                                        <p:tav tm="100000">
+                                          <p:val>
+                                            <p:strVal val="#ppt_y"/>
+                                          </p:val>
+                                        </p:tav>
+                                      </p:tavLst>
+                                    </p:anim>
+                                  </p:childTnLst>
+                                </p:cTn>
+                              </p:par>
+                            </p:childTnLst>
+                          </p:cTn>
+                        </p:par>
+                      </p:childTnLst>
+                    </p:cTn>
+                  </p:par>
+                  <p:par>
+                    <p:cTn id="27" fill="hold">
+                      <p:stCondLst>
+                        <p:cond delay="indefinite"/>
+                      </p:stCondLst>
+                      <p:childTnLst>
+                        <p:par>
+                          <p:cTn id="28" fill="hold">
+                            <p:stCondLst>
+                              <p:cond delay="0"/>
+                            </p:stCondLst>
+                            <p:childTnLst>
+                              <p:par>
+                                <p:cTn id="29" presetID="2" presetClass="entr" presetSubtype="4" fill="hold" grpId="0" nodeType="clickEffect">
+                                  <p:stCondLst>
+                                    <p:cond delay="0"/>
+                                  </p:stCondLst>
+                                  <p:childTnLst>
+                                    <p:set>
+                                      <p:cBhvr>
+                                        <p:cTn id="30" dur="1" fill="hold">
+                                          <p:stCondLst>
+                                            <p:cond delay="0"/>
+                                          </p:stCondLst>
+                                        </p:cTn>
+                                        <p:tgtEl>
+                                          <p:spTgt spid="4">
+                                            <p:txEl>
+                                              <p:pRg st="4" end="4"/>
+                                            </p:txEl>
+                                          </p:spTgt>
+                                        </p:tgtEl>
+                                        <p:attrNameLst>
+                                          <p:attrName>style.visibility</p:attrName>
+                                        </p:attrNameLst>
+                                      </p:cBhvr>
+                                      <p:to>
+                                        <p:strVal val="visible"/>
+                                      </p:to>
+                                    </p:set>
+                                    <p:anim calcmode="lin" valueType="num">
+                                      <p:cBhvr additive="base">
+                                        <p:cTn id="31" dur="500" fill="hold"/>
+                                        <p:tgtEl>
+                                          <p:spTgt spid="4">
+                                            <p:txEl>
+                                              <p:pRg st="4" end="4"/>
+                                            </p:txEl>
+                                          </p:spTgt>
+                                        </p:tgtEl>
+                                        <p:attrNameLst>
+                                          <p:attrName>ppt_x</p:attrName>
+                                        </p:attrNameLst>
+                                      </p:cBhvr>
+                                      <p:tavLst>
+                                        <p:tav tm="0">
+                                          <p:val>
+                                            <p:strVal val="#ppt_x"/>
+                                          </p:val>
+                                        </p:tav>
+                                        <p:tav tm="100000">
+                                          <p:val>
+                                            <p:strVal val="#ppt_x"/>
+                                          </p:val>
+                                        </p:tav>
+                                      </p:tavLst>
+                                    </p:anim>
+                                    <p:anim calcmode="lin" valueType="num">
+                                      <p:cBhvr additive="base">
+                                        <p:cTn id="32" dur="500" fill="hold"/>
+                                        <p:tgtEl>
+                                          <p:spTgt spid="4">
+                                            <p:txEl>
+                                              <p:pRg st="4" end="4"/>
+                                            </p:txEl>
+                                          </p:spTgt>
+                                        </p:tgtEl>
+                                        <p:attrNameLst>
+                                          <p:attrName>ppt_y</p:attrName>
+                                        </p:attrNameLst>
+                                      </p:cBhvr>
+                                      <p:tavLst>
+                                        <p:tav tm="0">
+                                          <p:val>
+                                            <p:strVal val="1+#ppt_h/2"/>
+                                          </p:val>
+                                        </p:tav>
+                                        <p:tav tm="100000">
+                                          <p:val>
+                                            <p:strVal val="#ppt_y"/>
+                                          </p:val>
+                                        </p:tav>
+                                      </p:tavLst>
+                                    </p:anim>
+                                  </p:childTnLst>
+                                </p:cTn>
+                              </p:par>
+                            </p:childTnLst>
+                          </p:cTn>
+                        </p:par>
+                      </p:childTnLst>
+                    </p:cTn>
+                  </p:par>
+                  <p:par>
+                    <p:cTn id="33" fill="hold">
+                      <p:stCondLst>
+                        <p:cond delay="indefinite"/>
+                      </p:stCondLst>
+                      <p:childTnLst>
+                        <p:par>
+                          <p:cTn id="34" fill="hold">
+                            <p:stCondLst>
+                              <p:cond delay="0"/>
+                            </p:stCondLst>
+                            <p:childTnLst>
+                              <p:par>
+                                <p:cTn id="35" presetID="2" presetClass="entr" presetSubtype="4" fill="hold" grpId="0" nodeType="clickEffect">
+                                  <p:stCondLst>
+                                    <p:cond delay="0"/>
+                                  </p:stCondLst>
+                                  <p:childTnLst>
+                                    <p:set>
+                                      <p:cBhvr>
+                                        <p:cTn id="36" dur="1" fill="hold">
+                                          <p:stCondLst>
+                                            <p:cond delay="0"/>
+                                          </p:stCondLst>
+                                        </p:cTn>
+                                        <p:tgtEl>
+                                          <p:spTgt spid="4">
+                                            <p:txEl>
+                                              <p:pRg st="5" end="5"/>
+                                            </p:txEl>
+                                          </p:spTgt>
+                                        </p:tgtEl>
+                                        <p:attrNameLst>
+                                          <p:attrName>style.visibility</p:attrName>
+                                        </p:attrNameLst>
+                                      </p:cBhvr>
+                                      <p:to>
+                                        <p:strVal val="visible"/>
+                                      </p:to>
+                                    </p:set>
+                                    <p:anim calcmode="lin" valueType="num">
+                                      <p:cBhvr additive="base">
+                                        <p:cTn id="37" dur="500" fill="hold"/>
+                                        <p:tgtEl>
+                                          <p:spTgt spid="4">
+                                            <p:txEl>
+                                              <p:pRg st="5" end="5"/>
+                                            </p:txEl>
+                                          </p:spTgt>
+                                        </p:tgtEl>
+                                        <p:attrNameLst>
+                                          <p:attrName>ppt_x</p:attrName>
+                                        </p:attrNameLst>
+                                      </p:cBhvr>
+                                      <p:tavLst>
+                                        <p:tav tm="0">
+                                          <p:val>
+                                            <p:strVal val="#ppt_x"/>
+                                          </p:val>
+                                        </p:tav>
+                                        <p:tav tm="100000">
+                                          <p:val>
+                                            <p:strVal val="#ppt_x"/>
+                                          </p:val>
+                                        </p:tav>
+                                      </p:tavLst>
+                                    </p:anim>
+                                    <p:anim calcmode="lin" valueType="num">
+                                      <p:cBhvr additive="base">
+                                        <p:cTn id="38" dur="500" fill="hold"/>
+                                        <p:tgtEl>
+                                          <p:spTgt spid="4">
+                                            <p:txEl>
+                                              <p:pRg st="5" end="5"/>
+                                            </p:txEl>
+                                          </p:spTgt>
+                                        </p:tgtEl>
+                                        <p:attrNameLst>
+                                          <p:attrName>ppt_y</p:attrName>
+                                        </p:attrNameLst>
+                                      </p:cBhvr>
+                                      <p:tavLst>
+                                        <p:tav tm="0">
+                                          <p:val>
+                                            <p:strVal val="1+#ppt_h/2"/>
+                                          </p:val>
+                                        </p:tav>
+                                        <p:tav tm="100000">
+                                          <p:val>
+                                            <p:strVal val="#ppt_y"/>
+                                          </p:val>
+                                        </p:tav>
+                                      </p:tavLst>
+                                    </p:anim>
+                                  </p:childTnLst>
+                                </p:cTn>
+                              </p:par>
+                            </p:childTnLst>
+                          </p:cTn>
+                        </p:par>
+                      </p:childTnLst>
+                    </p:cTn>
+                  </p:par>
+                  <p:par>
+                    <p:cTn id="39" fill="hold">
+                      <p:stCondLst>
+                        <p:cond delay="indefinite"/>
+                      </p:stCondLst>
+                      <p:childTnLst>
+                        <p:par>
+                          <p:cTn id="40" fill="hold">
+                            <p:stCondLst>
+                              <p:cond delay="0"/>
+                            </p:stCondLst>
+                            <p:childTnLst>
+                              <p:par>
+                                <p:cTn id="41" presetID="2" presetClass="entr" presetSubtype="4" fill="hold" grpId="0" nodeType="clickEffect">
+                                  <p:stCondLst>
+                                    <p:cond delay="0"/>
+                                  </p:stCondLst>
+                                  <p:childTnLst>
+                                    <p:set>
+                                      <p:cBhvr>
+                                        <p:cTn id="42" dur="1" fill="hold">
+                                          <p:stCondLst>
+                                            <p:cond delay="0"/>
+                                          </p:stCondLst>
+                                        </p:cTn>
+                                        <p:tgtEl>
+                                          <p:spTgt spid="4">
+                                            <p:txEl>
+                                              <p:pRg st="6" end="6"/>
+                                            </p:txEl>
+                                          </p:spTgt>
+                                        </p:tgtEl>
+                                        <p:attrNameLst>
+                                          <p:attrName>style.visibility</p:attrName>
+                                        </p:attrNameLst>
+                                      </p:cBhvr>
+                                      <p:to>
+                                        <p:strVal val="visible"/>
+                                      </p:to>
+                                    </p:set>
+                                    <p:anim calcmode="lin" valueType="num">
+                                      <p:cBhvr additive="base">
+                                        <p:cTn id="43" dur="500" fill="hold"/>
+                                        <p:tgtEl>
+                                          <p:spTgt spid="4">
+                                            <p:txEl>
+                                              <p:pRg st="6" end="6"/>
+                                            </p:txEl>
+                                          </p:spTgt>
+                                        </p:tgtEl>
+                                        <p:attrNameLst>
+                                          <p:attrName>ppt_x</p:attrName>
+                                        </p:attrNameLst>
+                                      </p:cBhvr>
+                                      <p:tavLst>
+                                        <p:tav tm="0">
+                                          <p:val>
+                                            <p:strVal val="#ppt_x"/>
+                                          </p:val>
+                                        </p:tav>
+                                        <p:tav tm="100000">
+                                          <p:val>
+                                            <p:strVal val="#ppt_x"/>
+                                          </p:val>
+                                        </p:tav>
+                                      </p:tavLst>
+                                    </p:anim>
+                                    <p:anim calcmode="lin" valueType="num">
+                                      <p:cBhvr additive="base">
+                                        <p:cTn id="44" dur="500" fill="hold"/>
+                                        <p:tgtEl>
+                                          <p:spTgt spid="4">
+                                            <p:txEl>
+                                              <p:pRg st="6" end="6"/>
+                                            </p:txEl>
+                                          </p:spTgt>
+                                        </p:tgtEl>
+                                        <p:attrNameLst>
+                                          <p:attrName>ppt_y</p:attrName>
+                                        </p:attrNameLst>
+                                      </p:cBhvr>
+                                      <p:tavLst>
+                                        <p:tav tm="0">
+                                          <p:val>
+                                            <p:strVal val="1+#ppt_h/2"/>
+                                          </p:val>
+                                        </p:tav>
+                                        <p:tav tm="100000">
+                                          <p:val>
+                                            <p:strVal val="#ppt_y"/>
+                                          </p:val>
+                                        </p:tav>
+                                      </p:tavLst>
+                                    </p:anim>
+                                  </p:childTnLst>
+                                </p:cTn>
+                              </p:par>
+                            </p:childTnLst>
+                          </p:cTn>
+                        </p:par>
+                      </p:childTnLst>
+                    </p:cTn>
+                  </p:par>
+                  <p:par>
+                    <p:cTn id="45" fill="hold">
+                      <p:stCondLst>
+                        <p:cond delay="indefinite"/>
+                      </p:stCondLst>
+                      <p:childTnLst>
+                        <p:par>
+                          <p:cTn id="46" fill="hold">
+                            <p:stCondLst>
+                              <p:cond delay="0"/>
+                            </p:stCondLst>
+                            <p:childTnLst>
+                              <p:par>
+                                <p:cTn id="47" presetID="2" presetClass="entr" presetSubtype="4" fill="hold" grpId="0" nodeType="clickEffect">
+                                  <p:stCondLst>
+                                    <p:cond delay="0"/>
+                                  </p:stCondLst>
+                                  <p:childTnLst>
+                                    <p:set>
+                                      <p:cBhvr>
+                                        <p:cTn id="48" dur="1" fill="hold">
+                                          <p:stCondLst>
+                                            <p:cond delay="0"/>
+                                          </p:stCondLst>
+                                        </p:cTn>
+                                        <p:tgtEl>
+                                          <p:spTgt spid="4">
+                                            <p:txEl>
+                                              <p:pRg st="7" end="7"/>
+                                            </p:txEl>
+                                          </p:spTgt>
+                                        </p:tgtEl>
+                                        <p:attrNameLst>
+                                          <p:attrName>style.visibility</p:attrName>
+                                        </p:attrNameLst>
+                                      </p:cBhvr>
+                                      <p:to>
+                                        <p:strVal val="visible"/>
+                                      </p:to>
+                                    </p:set>
+                                    <p:anim calcmode="lin" valueType="num">
+                                      <p:cBhvr additive="base">
+                                        <p:cTn id="49" dur="500" fill="hold"/>
+                                        <p:tgtEl>
+                                          <p:spTgt spid="4">
+                                            <p:txEl>
+                                              <p:pRg st="7" end="7"/>
+                                            </p:txEl>
+                                          </p:spTgt>
+                                        </p:tgtEl>
+                                        <p:attrNameLst>
+                                          <p:attrName>ppt_x</p:attrName>
+                                        </p:attrNameLst>
+                                      </p:cBhvr>
+                                      <p:tavLst>
+                                        <p:tav tm="0">
+                                          <p:val>
+                                            <p:strVal val="#ppt_x"/>
+                                          </p:val>
+                                        </p:tav>
+                                        <p:tav tm="100000">
+                                          <p:val>
+                                            <p:strVal val="#ppt_x"/>
+                                          </p:val>
+                                        </p:tav>
+                                      </p:tavLst>
+                                    </p:anim>
+                                    <p:anim calcmode="lin" valueType="num">
+                                      <p:cBhvr additive="base">
+                                        <p:cTn id="50" dur="500" fill="hold"/>
+                                        <p:tgtEl>
+                                          <p:spTgt spid="4">
+                                            <p:txEl>
+                                              <p:pRg st="7" end="7"/>
+                                            </p:txEl>
+                                          </p:spTgt>
+                                        </p:tgtEl>
+                                        <p:attrNameLst>
+                                          <p:attrName>ppt_y</p:attrName>
+                                        </p:attrNameLst>
+                                      </p:cBhvr>
+                                      <p:tavLst>
+                                        <p:tav tm="0">
+                                          <p:val>
+                                            <p:strVal val="1+#ppt_h/2"/>
+                                          </p:val>
+                                        </p:tav>
+                                        <p:tav tm="100000">
+                                          <p:val>
+                                            <p:strVal val="#ppt_y"/>
+                                          </p:val>
+                                        </p:tav>
+                                      </p:tavLst>
+                                    </p:anim>
+                                  </p:childTnLst>
+                                </p:cTn>
+                              </p:par>
+                            </p:childTnLst>
+                          </p:cTn>
+                        </p:par>
+                      </p:childTnLst>
+                    </p:cTn>
+                  </p:par>
+                  <p:par>
+                    <p:cTn id="51" fill="hold">
+                      <p:stCondLst>
+                        <p:cond delay="indefinite"/>
+                      </p:stCondLst>
+                      <p:childTnLst>
+                        <p:par>
+                          <p:cTn id="52" fill="hold">
+                            <p:stCondLst>
+                              <p:cond delay="0"/>
+                            </p:stCondLst>
+                            <p:childTnLst>
+                              <p:par>
+                                <p:cTn id="53" presetID="2" presetClass="entr" presetSubtype="4" fill="hold" grpId="0" nodeType="clickEffect">
+                                  <p:stCondLst>
+                                    <p:cond delay="0"/>
+                                  </p:stCondLst>
+                                  <p:childTnLst>
+                                    <p:set>
+                                      <p:cBhvr>
+                                        <p:cTn id="54" dur="1" fill="hold">
+                                          <p:stCondLst>
+                                            <p:cond delay="0"/>
+                                          </p:stCondLst>
+                                        </p:cTn>
+                                        <p:tgtEl>
+                                          <p:spTgt spid="4">
+                                            <p:txEl>
+                                              <p:pRg st="8" end="8"/>
+                                            </p:txEl>
+                                          </p:spTgt>
+                                        </p:tgtEl>
+                                        <p:attrNameLst>
+                                          <p:attrName>style.visibility</p:attrName>
+                                        </p:attrNameLst>
+                                      </p:cBhvr>
+                                      <p:to>
+                                        <p:strVal val="visible"/>
+                                      </p:to>
+                                    </p:set>
+                                    <p:anim calcmode="lin" valueType="num">
+                                      <p:cBhvr additive="base">
+                                        <p:cTn id="55" dur="500" fill="hold"/>
+                                        <p:tgtEl>
+                                          <p:spTgt spid="4">
+                                            <p:txEl>
+                                              <p:pRg st="8" end="8"/>
+                                            </p:txEl>
+                                          </p:spTgt>
+                                        </p:tgtEl>
+                                        <p:attrNameLst>
+                                          <p:attrName>ppt_x</p:attrName>
+                                        </p:attrNameLst>
+                                      </p:cBhvr>
+                                      <p:tavLst>
+                                        <p:tav tm="0">
+                                          <p:val>
+                                            <p:strVal val="#ppt_x"/>
+                                          </p:val>
+                                        </p:tav>
+                                        <p:tav tm="100000">
+                                          <p:val>
+                                            <p:strVal val="#ppt_x"/>
+                                          </p:val>
+                                        </p:tav>
+                                      </p:tavLst>
+                                    </p:anim>
+                                    <p:anim calcmode="lin" valueType="num">
+                                      <p:cBhvr additive="base">
+                                        <p:cTn id="56" dur="500" fill="hold"/>
+                                        <p:tgtEl>
+                                          <p:spTgt spid="4">
+                                            <p:txEl>
+                                              <p:pRg st="8" end="8"/>
+                                            </p:txEl>
+                                          </p:spTgt>
+                                        </p:tgtEl>
+                                        <p:attrNameLst>
+                                          <p:attrName>ppt_y</p:attrName>
+                                        </p:attrNameLst>
+                                      </p:cBhvr>
+                                      <p:tavLst>
+                                        <p:tav tm="0">
+                                          <p:val>
+                                            <p:strVal val="1+#ppt_h/2"/>
+                                          </p:val>
+                                        </p:tav>
+                                        <p:tav tm="100000">
+                                          <p:val>
+                                            <p:strVal val="#ppt_y"/>
+                                          </p:val>
+                                        </p:tav>
+                                      </p:tavLst>
+                                    </p:anim>
+                                  </p:childTnLst>
+                                </p:cTn>
+                              </p:par>
+                            </p:childTnLst>
+                          </p:cTn>
+                        </p:par>
+                      </p:childTnLst>
+                    </p:cTn>
+                  </p:par>
+                  <p:par>
+                    <p:cTn id="57" fill="hold">
+                      <p:stCondLst>
+                        <p:cond delay="indefinite"/>
+                      </p:stCondLst>
+                      <p:childTnLst>
+                        <p:par>
+                          <p:cTn id="58" fill="hold">
+                            <p:stCondLst>
+                              <p:cond delay="0"/>
+                            </p:stCondLst>
+                            <p:childTnLst>
+                              <p:par>
+                                <p:cTn id="59" presetID="2" presetClass="entr" presetSubtype="4" fill="hold" grpId="0" nodeType="clickEffect">
+                                  <p:stCondLst>
+                                    <p:cond delay="0"/>
+                                  </p:stCondLst>
+                                  <p:childTnLst>
+                                    <p:set>
+                                      <p:cBhvr>
+                                        <p:cTn id="60" dur="1" fill="hold">
+                                          <p:stCondLst>
+                                            <p:cond delay="0"/>
+                                          </p:stCondLst>
+                                        </p:cTn>
+                                        <p:tgtEl>
+                                          <p:spTgt spid="4">
+                                            <p:txEl>
+                                              <p:pRg st="9" end="9"/>
+                                            </p:txEl>
+                                          </p:spTgt>
+                                        </p:tgtEl>
+                                        <p:attrNameLst>
+                                          <p:attrName>style.visibility</p:attrName>
+                                        </p:attrNameLst>
+                                      </p:cBhvr>
+                                      <p:to>
+                                        <p:strVal val="visible"/>
+                                      </p:to>
+                                    </p:set>
+                                    <p:anim calcmode="lin" valueType="num">
+                                      <p:cBhvr additive="base">
+                                        <p:cTn id="61" dur="500" fill="hold"/>
+                                        <p:tgtEl>
+                                          <p:spTgt spid="4">
+                                            <p:txEl>
+                                              <p:pRg st="9" end="9"/>
+                                            </p:txEl>
+                                          </p:spTgt>
+                                        </p:tgtEl>
+                                        <p:attrNameLst>
+                                          <p:attrName>ppt_x</p:attrName>
+                                        </p:attrNameLst>
+                                      </p:cBhvr>
+                                      <p:tavLst>
+                                        <p:tav tm="0">
+                                          <p:val>
+                                            <p:strVal val="#ppt_x"/>
+                                          </p:val>
+                                        </p:tav>
+                                        <p:tav tm="100000">
+                                          <p:val>
+                                            <p:strVal val="#ppt_x"/>
+                                          </p:val>
+                                        </p:tav>
+                                      </p:tavLst>
+                                    </p:anim>
+                                    <p:anim calcmode="lin" valueType="num">
+                                      <p:cBhvr additive="base">
+                                        <p:cTn id="62" dur="500" fill="hold"/>
+                                        <p:tgtEl>
+                                          <p:spTgt spid="4">
+                                            <p:txEl>
+                                              <p:pRg st="9" end="9"/>
+                                            </p:txEl>
+                                          </p:spTgt>
+                                        </p:tgtEl>
+                                        <p:attrNameLst>
+                                          <p:attrName>ppt_y</p:attrName>
+                                        </p:attrNameLst>
+                                      </p:cBhvr>
+                                      <p:tavLst>
+                                        <p:tav tm="0">
+                                          <p:val>
+                                            <p:strVal val="1+#ppt_h/2"/>
+                                          </p:val>
+                                        </p:tav>
+                                        <p:tav tm="100000">
+                                          <p:val>
+                                            <p:strVal val="#ppt_y"/>
+                                          </p:val>
+                                        </p:tav>
+                                      </p:tavLst>
+                                    </p:anim>
+                                  </p:childTnLst>
+                                </p:cTn>
+                              </p:par>
+                            </p:childTnLst>
+                          </p:cTn>
+                        </p:par>
+                      </p:childTnLst>
+                    </p:cTn>
+                  </p:par>
+                  <p:par>
+                    <p:cTn id="63" fill="hold">
+                      <p:stCondLst>
+                        <p:cond delay="indefinite"/>
+                      </p:stCondLst>
+                      <p:childTnLst>
+                        <p:par>
+                          <p:cTn id="64" fill="hold">
+                            <p:stCondLst>
+                              <p:cond delay="0"/>
+                            </p:stCondLst>
+                            <p:childTnLst>
+                              <p:par>
+                                <p:cTn id="65" presetID="2" presetClass="entr" presetSubtype="4" fill="hold" grpId="0" nodeType="clickEffect">
+                                  <p:stCondLst>
+                                    <p:cond delay="0"/>
+                                  </p:stCondLst>
+                                  <p:childTnLst>
+                                    <p:set>
+                                      <p:cBhvr>
+                                        <p:cTn id="66" dur="1" fill="hold">
+                                          <p:stCondLst>
+                                            <p:cond delay="0"/>
+                                          </p:stCondLst>
+                                        </p:cTn>
+                                        <p:tgtEl>
+                                          <p:spTgt spid="4">
+                                            <p:txEl>
+                                              <p:pRg st="10" end="10"/>
+                                            </p:txEl>
+                                          </p:spTgt>
+                                        </p:tgtEl>
+                                        <p:attrNameLst>
+                                          <p:attrName>style.visibility</p:attrName>
+                                        </p:attrNameLst>
+                                      </p:cBhvr>
+                                      <p:to>
+                                        <p:strVal val="visible"/>
+                                      </p:to>
+                                    </p:set>
+                                    <p:anim calcmode="lin" valueType="num">
+                                      <p:cBhvr additive="base">
+                                        <p:cTn id="67" dur="500" fill="hold"/>
+                                        <p:tgtEl>
+                                          <p:spTgt spid="4">
+                                            <p:txEl>
+                                              <p:pRg st="10" end="10"/>
+                                            </p:txEl>
+                                          </p:spTgt>
+                                        </p:tgtEl>
+                                        <p:attrNameLst>
+                                          <p:attrName>ppt_x</p:attrName>
+                                        </p:attrNameLst>
+                                      </p:cBhvr>
+                                      <p:tavLst>
+                                        <p:tav tm="0">
+                                          <p:val>
+                                            <p:strVal val="#ppt_x"/>
+                                          </p:val>
+                                        </p:tav>
+                                        <p:tav tm="100000">
+                                          <p:val>
+                                            <p:strVal val="#ppt_x"/>
+                                          </p:val>
+                                        </p:tav>
+                                      </p:tavLst>
+                                    </p:anim>
+                                    <p:anim calcmode="lin" valueType="num">
+                                      <p:cBhvr additive="base">
+                                        <p:cTn id="68" dur="500" fill="hold"/>
+                                        <p:tgtEl>
+                                          <p:spTgt spid="4">
+                                            <p:txEl>
+                                              <p:pRg st="10" end="10"/>
+                                            </p:txEl>
+                                          </p:spTgt>
+                                        </p:tgtEl>
+                                        <p:attrNameLst>
+                                          <p:attrName>ppt_y</p:attrName>
+                                        </p:attrNameLst>
+                                      </p:cBhvr>
+                                      <p:tavLst>
+                                        <p:tav tm="0">
+                                          <p:val>
+                                            <p:strVal val="1+#ppt_h/2"/>
+                                          </p:val>
+                                        </p:tav>
+                                        <p:tav tm="100000">
+                                          <p:val>
+                                            <p:strVal val="#ppt_y"/>
+                                          </p:val>
+                                        </p:tav>
+                                      </p:tavLst>
+                                    </p:anim>
+                                  </p:childTnLst>
+                                </p:cTn>
+                              </p:par>
+                            </p:childTnLst>
+                          </p:cTn>
+                        </p:par>
+                      </p:childTnLst>
+                    </p:cTn>
+                  </p:par>
+                  <p:par>
+                    <p:cTn id="69" fill="hold">
+                      <p:stCondLst>
+                        <p:cond delay="indefinite"/>
+                      </p:stCondLst>
+                      <p:childTnLst>
+                        <p:par>
+                          <p:cTn id="70" fill="hold">
+                            <p:stCondLst>
+                              <p:cond delay="0"/>
+                            </p:stCondLst>
+                            <p:childTnLst>
+                              <p:par>
+                                <p:cTn id="71" presetID="2" presetClass="entr" presetSubtype="4" fill="hold" grpId="0" nodeType="clickEffect">
+                                  <p:stCondLst>
+                                    <p:cond delay="0"/>
+                                  </p:stCondLst>
+                                  <p:childTnLst>
+                                    <p:set>
+                                      <p:cBhvr>
+                                        <p:cTn id="72" dur="1" fill="hold">
+                                          <p:stCondLst>
+                                            <p:cond delay="0"/>
+                                          </p:stCondLst>
+                                        </p:cTn>
+                                        <p:tgtEl>
+                                          <p:spTgt spid="4">
+                                            <p:txEl>
+                                              <p:pRg st="11" end="11"/>
+                                            </p:txEl>
+                                          </p:spTgt>
+                                        </p:tgtEl>
+                                        <p:attrNameLst>
+                                          <p:attrName>style.visibility</p:attrName>
+                                        </p:attrNameLst>
+                                      </p:cBhvr>
+                                      <p:to>
+                                        <p:strVal val="visible"/>
+                                      </p:to>
+                                    </p:set>
+                                    <p:anim calcmode="lin" valueType="num">
+                                      <p:cBhvr additive="base">
+                                        <p:cTn id="73" dur="500" fill="hold"/>
+                                        <p:tgtEl>
+                                          <p:spTgt spid="4">
+                                            <p:txEl>
+                                              <p:pRg st="11" end="11"/>
+                                            </p:txEl>
+                                          </p:spTgt>
+                                        </p:tgtEl>
+                                        <p:attrNameLst>
+                                          <p:attrName>ppt_x</p:attrName>
+                                        </p:attrNameLst>
+                                      </p:cBhvr>
+                                      <p:tavLst>
+                                        <p:tav tm="0">
+                                          <p:val>
+                                            <p:strVal val="#ppt_x"/>
+                                          </p:val>
+                                        </p:tav>
+                                        <p:tav tm="100000">
+                                          <p:val>
+                                            <p:strVal val="#ppt_x"/>
+                                          </p:val>
+                                        </p:tav>
+                                      </p:tavLst>
+                                    </p:anim>
+                                    <p:anim calcmode="lin" valueType="num">
+                                      <p:cBhvr additive="base">
+                                        <p:cTn id="74" dur="500" fill="hold"/>
+                                        <p:tgtEl>
+                                          <p:spTgt spid="4">
+                                            <p:txEl>
+                                              <p:pRg st="11" end="11"/>
+                                            </p:txEl>
+                                          </p:spTgt>
+                                        </p:tgtEl>
+                                        <p:attrNameLst>
+                                          <p:attrName>ppt_y</p:attrName>
+                                        </p:attrNameLst>
+                                      </p:cBhvr>
+                                      <p:tavLst>
+                                        <p:tav tm="0">
+                                          <p:val>
+                                            <p:strVal val="1+#ppt_h/2"/>
+                                          </p:val>
+                                        </p:tav>
+                                        <p:tav tm="100000">
+                                          <p:val>
+                                            <p:strVal val="#ppt_y"/>
+                                          </p:val>
+                                        </p:tav>
+                                      </p:tavLst>
+                                    </p:anim>
+                                  </p:childTnLst>
+                                </p:cTn>
+                              </p:par>
+                            </p:childTnLst>
+                          </p:cTn>
+                        </p:par>
+                      </p:childTnLst>
+                    </p:cTn>
+                  </p:par>
+                  <p:par>
+                    <p:cTn id="75" fill="hold">
+                      <p:stCondLst>
+                        <p:cond delay="indefinite"/>
+                      </p:stCondLst>
+                      <p:childTnLst>
+                        <p:par>
+                          <p:cTn id="76" fill="hold">
+                            <p:stCondLst>
+                              <p:cond delay="0"/>
+                            </p:stCondLst>
+                            <p:childTnLst>
+                              <p:par>
+                                <p:cTn id="77" presetID="2" presetClass="entr" presetSubtype="4" fill="hold" grpId="0" nodeType="clickEffect">
+                                  <p:stCondLst>
+                                    <p:cond delay="0"/>
+                                  </p:stCondLst>
+                                  <p:childTnLst>
+                                    <p:set>
+                                      <p:cBhvr>
+                                        <p:cTn id="78" dur="1" fill="hold">
+                                          <p:stCondLst>
+                                            <p:cond delay="0"/>
+                                          </p:stCondLst>
+                                        </p:cTn>
+                                        <p:tgtEl>
+                                          <p:spTgt spid="4">
+                                            <p:txEl>
+                                              <p:pRg st="12" end="12"/>
+                                            </p:txEl>
+                                          </p:spTgt>
+                                        </p:tgtEl>
+                                        <p:attrNameLst>
+                                          <p:attrName>style.visibility</p:attrName>
+                                        </p:attrNameLst>
+                                      </p:cBhvr>
+                                      <p:to>
+                                        <p:strVal val="visible"/>
+                                      </p:to>
+                                    </p:set>
+                                    <p:anim calcmode="lin" valueType="num">
+                                      <p:cBhvr additive="base">
+                                        <p:cTn id="79" dur="500" fill="hold"/>
+                                        <p:tgtEl>
+                                          <p:spTgt spid="4">
+                                            <p:txEl>
+                                              <p:pRg st="12" end="12"/>
+                                            </p:txEl>
+                                          </p:spTgt>
+                                        </p:tgtEl>
+                                        <p:attrNameLst>
+                                          <p:attrName>ppt_x</p:attrName>
+                                        </p:attrNameLst>
+                                      </p:cBhvr>
+                                      <p:tavLst>
+                                        <p:tav tm="0">
+                                          <p:val>
+                                            <p:strVal val="#ppt_x"/>
+                                          </p:val>
+                                        </p:tav>
+                                        <p:tav tm="100000">
+                                          <p:val>
+                                            <p:strVal val="#ppt_x"/>
+                                          </p:val>
+                                        </p:tav>
+                                      </p:tavLst>
+                                    </p:anim>
+                                    <p:anim calcmode="lin" valueType="num">
+                                      <p:cBhvr additive="base">
+                                        <p:cTn id="80" dur="500" fill="hold"/>
+                                        <p:tgtEl>
+                                          <p:spTgt spid="4">
+                                            <p:txEl>
+                                              <p:pRg st="12" end="12"/>
+                                            </p:txEl>
+                                          </p:spTgt>
+                                        </p:tgtEl>
+                                        <p:attrNameLst>
+                                          <p:attrName>ppt_y</p:attrName>
+                                        </p:attrNameLst>
+                                      </p:cBhvr>
+                                      <p:tavLst>
+                                        <p:tav tm="0">
+                                          <p:val>
+                                            <p:strVal val="1+#ppt_h/2"/>
+                                          </p:val>
+                                        </p:tav>
+                                        <p:tav tm="100000">
+                                          <p:val>
+                                            <p:strVal val="#ppt_y"/>
+                                          </p:val>
+                                        </p:tav>
+                                      </p:tavLst>
+                                    </p:anim>
+                                  </p:childTnLst>
+                                </p:cTn>
+                              </p:par>
+                            </p:childTnLst>
+                          </p:cTn>
+                        </p:par>
+                      </p:childTnLst>
+                    </p:cTn>
+                  </p:par>
+                </p:childTnLst>
+              </p:cTn>
+              <p:prevCondLst>
+                <p:cond evt="onPrev" delay="0">
+                  <p:tgtEl>
+                    <p:sldTgt/>
+                  </p:tgtEl>
+                </p:cond>
+              </p:prevCondLst>
+              <p:nextCondLst>
+                <p:cond evt="onNext" delay="0">
+                  <p:tgtEl>
+                    <p:sldTgt/>
+                  </p:tgtEl>
+                </p:cond>
+              </p:nextCondLst>
+            </p:seq>
+          </p:childTnLst>
+        </p:cTn>
+      </p:par>
+    </p:tnLst>
+    <p:bldLst>
+      <p:bldP spid="4" grpId="0" uiExpand="1" build="p"/>
+    </p:bldLst>
+  </p:timing>
 </p:sld>
 </file>
 

--- a/2022/slides.pptx
+++ b/2022/slides.pptx
@@ -2139,7 +2139,7 @@
             <a:pPr lvl="1"/>
             <a:r>
               <a:rPr lang="en-US" dirty="0"/>
-              <a:t>Basically - Git for data and models</a:t>
+              <a:t>Basically – Git extension for data and models</a:t>
             </a:r>
           </a:p>
           <a:p>

--- a/2022/slides.pptx
+++ b/2022/slides.pptx
@@ -199,7 +199,7 @@
           <a:p>
             <a:fld id="{B26C93B3-9E12-144F-AA8A-0E52A791644D}" type="datetimeFigureOut">
               <a:rPr lang="en-US" smtClean="0"/>
-              <a:t>5/5/2022</a:t>
+              <a:t>5/10/2022</a:t>
             </a:fld>
             <a:endParaRPr lang="en-US"/>
           </a:p>
@@ -2118,7 +2118,12 @@
             <p:ph idx="10"/>
           </p:nvPr>
         </p:nvSpPr>
-        <p:spPr/>
+        <p:spPr>
+          <a:xfrm>
+            <a:off x="1154895" y="1186738"/>
+            <a:ext cx="14188291" cy="7549638"/>
+          </a:xfrm>
+        </p:spPr>
         <p:txBody>
           <a:bodyPr/>
           <a:lstStyle/>
@@ -2851,33 +2856,15 @@
                                   </p:childTnLst>
                                 </p:cTn>
                               </p:par>
-                            </p:childTnLst>
-                          </p:cTn>
-                        </p:par>
-                      </p:childTnLst>
-                    </p:cTn>
-                  </p:par>
-                  <p:par>
-                    <p:cTn id="33" fill="hold">
-                      <p:stCondLst>
-                        <p:cond delay="indefinite"/>
-                      </p:stCondLst>
-                      <p:childTnLst>
-                        <p:par>
-                          <p:cTn id="34" fill="hold">
-                            <p:stCondLst>
-                              <p:cond delay="0"/>
-                            </p:stCondLst>
-                            <p:childTnLst>
                               <p:par>
-                                <p:cTn id="35" presetID="2" presetClass="entr" presetSubtype="4" fill="hold" grpId="0" nodeType="clickEffect">
+                                <p:cTn id="33" presetID="2" presetClass="entr" presetSubtype="4" fill="hold" grpId="0" nodeType="withEffect">
                                   <p:stCondLst>
                                     <p:cond delay="0"/>
                                   </p:stCondLst>
                                   <p:childTnLst>
                                     <p:set>
                                       <p:cBhvr>
-                                        <p:cTn id="36" dur="1" fill="hold">
+                                        <p:cTn id="34" dur="1" fill="hold">
                                           <p:stCondLst>
                                             <p:cond delay="0"/>
                                           </p:stCondLst>
@@ -2899,7 +2886,7 @@
                                     </p:set>
                                     <p:anim calcmode="lin" valueType="num">
                                       <p:cBhvr additive="base">
-                                        <p:cTn id="37" dur="500" fill="hold"/>
+                                        <p:cTn id="35" dur="500" fill="hold"/>
                                         <p:tgtEl>
                                           <p:spTgt spid="4">
                                             <p:txEl>
@@ -2926,7 +2913,7 @@
                                     </p:anim>
                                     <p:anim calcmode="lin" valueType="num">
                                       <p:cBhvr additive="base">
-                                        <p:cTn id="38" dur="500" fill="hold"/>
+                                        <p:cTn id="36" dur="500" fill="hold"/>
                                         <p:tgtEl>
                                           <p:spTgt spid="4">
                                             <p:txEl>
@@ -2961,26 +2948,26 @@
                     </p:cTn>
                   </p:par>
                   <p:par>
-                    <p:cTn id="39" fill="hold">
+                    <p:cTn id="37" fill="hold">
                       <p:stCondLst>
                         <p:cond delay="indefinite"/>
                       </p:stCondLst>
                       <p:childTnLst>
                         <p:par>
-                          <p:cTn id="40" fill="hold">
+                          <p:cTn id="38" fill="hold">
                             <p:stCondLst>
                               <p:cond delay="0"/>
                             </p:stCondLst>
                             <p:childTnLst>
                               <p:par>
-                                <p:cTn id="41" presetID="2" presetClass="entr" presetSubtype="4" fill="hold" grpId="0" nodeType="clickEffect">
+                                <p:cTn id="39" presetID="2" presetClass="entr" presetSubtype="4" fill="hold" grpId="0" nodeType="clickEffect">
                                   <p:stCondLst>
                                     <p:cond delay="0"/>
                                   </p:stCondLst>
                                   <p:childTnLst>
                                     <p:set>
                                       <p:cBhvr>
-                                        <p:cTn id="42" dur="1" fill="hold">
+                                        <p:cTn id="40" dur="1" fill="hold">
                                           <p:stCondLst>
                                             <p:cond delay="0"/>
                                           </p:stCondLst>
@@ -3002,7 +2989,7 @@
                                     </p:set>
                                     <p:anim calcmode="lin" valueType="num">
                                       <p:cBhvr additive="base">
-                                        <p:cTn id="43" dur="500" fill="hold"/>
+                                        <p:cTn id="41" dur="500" fill="hold"/>
                                         <p:tgtEl>
                                           <p:spTgt spid="4">
                                             <p:txEl>
@@ -3029,7 +3016,7 @@
                                     </p:anim>
                                     <p:anim calcmode="lin" valueType="num">
                                       <p:cBhvr additive="base">
-                                        <p:cTn id="44" dur="500" fill="hold"/>
+                                        <p:cTn id="42" dur="500" fill="hold"/>
                                         <p:tgtEl>
                                           <p:spTgt spid="4">
                                             <p:txEl>
@@ -3057,33 +3044,15 @@
                                   </p:childTnLst>
                                 </p:cTn>
                               </p:par>
-                            </p:childTnLst>
-                          </p:cTn>
-                        </p:par>
-                      </p:childTnLst>
-                    </p:cTn>
-                  </p:par>
-                  <p:par>
-                    <p:cTn id="45" fill="hold">
-                      <p:stCondLst>
-                        <p:cond delay="indefinite"/>
-                      </p:stCondLst>
-                      <p:childTnLst>
-                        <p:par>
-                          <p:cTn id="46" fill="hold">
-                            <p:stCondLst>
-                              <p:cond delay="0"/>
-                            </p:stCondLst>
-                            <p:childTnLst>
                               <p:par>
-                                <p:cTn id="47" presetID="2" presetClass="entr" presetSubtype="4" fill="hold" grpId="0" nodeType="clickEffect">
+                                <p:cTn id="43" presetID="2" presetClass="entr" presetSubtype="4" fill="hold" grpId="0" nodeType="withEffect">
                                   <p:stCondLst>
                                     <p:cond delay="0"/>
                                   </p:stCondLst>
                                   <p:childTnLst>
                                     <p:set>
                                       <p:cBhvr>
-                                        <p:cTn id="48" dur="1" fill="hold">
+                                        <p:cTn id="44" dur="1" fill="hold">
                                           <p:stCondLst>
                                             <p:cond delay="0"/>
                                           </p:stCondLst>
@@ -3105,7 +3074,7 @@
                                     </p:set>
                                     <p:anim calcmode="lin" valueType="num">
                                       <p:cBhvr additive="base">
-                                        <p:cTn id="49" dur="500" fill="hold"/>
+                                        <p:cTn id="45" dur="500" fill="hold"/>
                                         <p:tgtEl>
                                           <p:spTgt spid="4">
                                             <p:txEl>
@@ -3132,7 +3101,7 @@
                                     </p:anim>
                                     <p:anim calcmode="lin" valueType="num">
                                       <p:cBhvr additive="base">
-                                        <p:cTn id="50" dur="500" fill="hold"/>
+                                        <p:cTn id="46" dur="500" fill="hold"/>
                                         <p:tgtEl>
                                           <p:spTgt spid="4">
                                             <p:txEl>
@@ -3167,26 +3136,26 @@
                     </p:cTn>
                   </p:par>
                   <p:par>
-                    <p:cTn id="51" fill="hold">
+                    <p:cTn id="47" fill="hold">
                       <p:stCondLst>
                         <p:cond delay="indefinite"/>
                       </p:stCondLst>
                       <p:childTnLst>
                         <p:par>
-                          <p:cTn id="52" fill="hold">
+                          <p:cTn id="48" fill="hold">
                             <p:stCondLst>
                               <p:cond delay="0"/>
                             </p:stCondLst>
                             <p:childTnLst>
                               <p:par>
-                                <p:cTn id="53" presetID="2" presetClass="entr" presetSubtype="4" fill="hold" grpId="0" nodeType="clickEffect">
+                                <p:cTn id="49" presetID="2" presetClass="entr" presetSubtype="4" fill="hold" grpId="0" nodeType="clickEffect">
                                   <p:stCondLst>
                                     <p:cond delay="0"/>
                                   </p:stCondLst>
                                   <p:childTnLst>
                                     <p:set>
                                       <p:cBhvr>
-                                        <p:cTn id="54" dur="1" fill="hold">
+                                        <p:cTn id="50" dur="1" fill="hold">
                                           <p:stCondLst>
                                             <p:cond delay="0"/>
                                           </p:stCondLst>
@@ -3208,7 +3177,7 @@
                                     </p:set>
                                     <p:anim calcmode="lin" valueType="num">
                                       <p:cBhvr additive="base">
-                                        <p:cTn id="55" dur="500" fill="hold"/>
+                                        <p:cTn id="51" dur="500" fill="hold"/>
                                         <p:tgtEl>
                                           <p:spTgt spid="4">
                                             <p:txEl>
@@ -3235,7 +3204,7 @@
                                     </p:anim>
                                     <p:anim calcmode="lin" valueType="num">
                                       <p:cBhvr additive="base">
-                                        <p:cTn id="56" dur="500" fill="hold"/>
+                                        <p:cTn id="52" dur="500" fill="hold"/>
                                         <p:tgtEl>
                                           <p:spTgt spid="4">
                                             <p:txEl>
@@ -3270,26 +3239,26 @@
                     </p:cTn>
                   </p:par>
                   <p:par>
-                    <p:cTn id="57" fill="hold">
+                    <p:cTn id="53" fill="hold">
                       <p:stCondLst>
                         <p:cond delay="indefinite"/>
                       </p:stCondLst>
                       <p:childTnLst>
                         <p:par>
-                          <p:cTn id="58" fill="hold">
+                          <p:cTn id="54" fill="hold">
                             <p:stCondLst>
                               <p:cond delay="0"/>
                             </p:stCondLst>
                             <p:childTnLst>
                               <p:par>
-                                <p:cTn id="59" presetID="2" presetClass="entr" presetSubtype="4" fill="hold" grpId="0" nodeType="clickEffect">
+                                <p:cTn id="55" presetID="2" presetClass="entr" presetSubtype="4" fill="hold" grpId="0" nodeType="clickEffect">
                                   <p:stCondLst>
                                     <p:cond delay="0"/>
                                   </p:stCondLst>
                                   <p:childTnLst>
                                     <p:set>
                                       <p:cBhvr>
-                                        <p:cTn id="60" dur="1" fill="hold">
+                                        <p:cTn id="56" dur="1" fill="hold">
                                           <p:stCondLst>
                                             <p:cond delay="0"/>
                                           </p:stCondLst>
@@ -3311,7 +3280,7 @@
                                     </p:set>
                                     <p:anim calcmode="lin" valueType="num">
                                       <p:cBhvr additive="base">
-                                        <p:cTn id="61" dur="500" fill="hold"/>
+                                        <p:cTn id="57" dur="500" fill="hold"/>
                                         <p:tgtEl>
                                           <p:spTgt spid="4">
                                             <p:txEl>
@@ -3338,7 +3307,7 @@
                                     </p:anim>
                                     <p:anim calcmode="lin" valueType="num">
                                       <p:cBhvr additive="base">
-                                        <p:cTn id="62" dur="500" fill="hold"/>
+                                        <p:cTn id="58" dur="500" fill="hold"/>
                                         <p:tgtEl>
                                           <p:spTgt spid="4">
                                             <p:txEl>
@@ -3373,26 +3342,26 @@
                     </p:cTn>
                   </p:par>
                   <p:par>
-                    <p:cTn id="63" fill="hold">
+                    <p:cTn id="59" fill="hold">
                       <p:stCondLst>
                         <p:cond delay="indefinite"/>
                       </p:stCondLst>
                       <p:childTnLst>
                         <p:par>
-                          <p:cTn id="64" fill="hold">
+                          <p:cTn id="60" fill="hold">
                             <p:stCondLst>
                               <p:cond delay="0"/>
                             </p:stCondLst>
                             <p:childTnLst>
                               <p:par>
-                                <p:cTn id="65" presetID="2" presetClass="entr" presetSubtype="4" fill="hold" grpId="0" nodeType="clickEffect">
+                                <p:cTn id="61" presetID="2" presetClass="entr" presetSubtype="4" fill="hold" grpId="0" nodeType="clickEffect">
                                   <p:stCondLst>
                                     <p:cond delay="0"/>
                                   </p:stCondLst>
                                   <p:childTnLst>
                                     <p:set>
                                       <p:cBhvr>
-                                        <p:cTn id="66" dur="1" fill="hold">
+                                        <p:cTn id="62" dur="1" fill="hold">
                                           <p:stCondLst>
                                             <p:cond delay="0"/>
                                           </p:stCondLst>
@@ -3414,7 +3383,7 @@
                                     </p:set>
                                     <p:anim calcmode="lin" valueType="num">
                                       <p:cBhvr additive="base">
-                                        <p:cTn id="67" dur="500" fill="hold"/>
+                                        <p:cTn id="63" dur="500" fill="hold"/>
                                         <p:tgtEl>
                                           <p:spTgt spid="4">
                                             <p:txEl>
@@ -3441,7 +3410,7 @@
                                     </p:anim>
                                     <p:anim calcmode="lin" valueType="num">
                                       <p:cBhvr additive="base">
-                                        <p:cTn id="68" dur="500" fill="hold"/>
+                                        <p:cTn id="64" dur="500" fill="hold"/>
                                         <p:tgtEl>
                                           <p:spTgt spid="4">
                                             <p:txEl>
@@ -3476,26 +3445,26 @@
                     </p:cTn>
                   </p:par>
                   <p:par>
-                    <p:cTn id="69" fill="hold">
+                    <p:cTn id="65" fill="hold">
                       <p:stCondLst>
                         <p:cond delay="indefinite"/>
                       </p:stCondLst>
                       <p:childTnLst>
                         <p:par>
-                          <p:cTn id="70" fill="hold">
+                          <p:cTn id="66" fill="hold">
                             <p:stCondLst>
                               <p:cond delay="0"/>
                             </p:stCondLst>
                             <p:childTnLst>
                               <p:par>
-                                <p:cTn id="71" presetID="2" presetClass="entr" presetSubtype="4" fill="hold" grpId="0" nodeType="clickEffect">
+                                <p:cTn id="67" presetID="2" presetClass="entr" presetSubtype="4" fill="hold" grpId="0" nodeType="clickEffect">
                                   <p:stCondLst>
                                     <p:cond delay="0"/>
                                   </p:stCondLst>
                                   <p:childTnLst>
                                     <p:set>
                                       <p:cBhvr>
-                                        <p:cTn id="72" dur="1" fill="hold">
+                                        <p:cTn id="68" dur="1" fill="hold">
                                           <p:stCondLst>
                                             <p:cond delay="0"/>
                                           </p:stCondLst>
@@ -3517,7 +3486,7 @@
                                     </p:set>
                                     <p:anim calcmode="lin" valueType="num">
                                       <p:cBhvr additive="base">
-                                        <p:cTn id="73" dur="500" fill="hold"/>
+                                        <p:cTn id="69" dur="500" fill="hold"/>
                                         <p:tgtEl>
                                           <p:spTgt spid="4">
                                             <p:txEl>
@@ -3544,7 +3513,7 @@
                                     </p:anim>
                                     <p:anim calcmode="lin" valueType="num">
                                       <p:cBhvr additive="base">
-                                        <p:cTn id="74" dur="500" fill="hold"/>
+                                        <p:cTn id="70" dur="500" fill="hold"/>
                                         <p:tgtEl>
                                           <p:spTgt spid="4">
                                             <p:txEl>
@@ -3579,26 +3548,26 @@
                     </p:cTn>
                   </p:par>
                   <p:par>
-                    <p:cTn id="75" fill="hold">
+                    <p:cTn id="71" fill="hold">
                       <p:stCondLst>
                         <p:cond delay="indefinite"/>
                       </p:stCondLst>
                       <p:childTnLst>
                         <p:par>
-                          <p:cTn id="76" fill="hold">
+                          <p:cTn id="72" fill="hold">
                             <p:stCondLst>
                               <p:cond delay="0"/>
                             </p:stCondLst>
                             <p:childTnLst>
                               <p:par>
-                                <p:cTn id="77" presetID="2" presetClass="entr" presetSubtype="4" fill="hold" grpId="0" nodeType="clickEffect">
+                                <p:cTn id="73" presetID="2" presetClass="entr" presetSubtype="4" fill="hold" grpId="0" nodeType="clickEffect">
                                   <p:stCondLst>
                                     <p:cond delay="0"/>
                                   </p:stCondLst>
                                   <p:childTnLst>
                                     <p:set>
                                       <p:cBhvr>
-                                        <p:cTn id="78" dur="1" fill="hold">
+                                        <p:cTn id="74" dur="1" fill="hold">
                                           <p:stCondLst>
                                             <p:cond delay="0"/>
                                           </p:stCondLst>
@@ -3620,7 +3589,7 @@
                                     </p:set>
                                     <p:anim calcmode="lin" valueType="num">
                                       <p:cBhvr additive="base">
-                                        <p:cTn id="79" dur="500" fill="hold"/>
+                                        <p:cTn id="75" dur="500" fill="hold"/>
                                         <p:tgtEl>
                                           <p:spTgt spid="4">
                                             <p:txEl>
@@ -3647,7 +3616,7 @@
                                     </p:anim>
                                     <p:anim calcmode="lin" valueType="num">
                                       <p:cBhvr additive="base">
-                                        <p:cTn id="80" dur="500" fill="hold"/>
+                                        <p:cTn id="76" dur="500" fill="hold"/>
                                         <p:tgtEl>
                                           <p:spTgt spid="4">
                                             <p:txEl>
